--- a/syntax.pptx
+++ b/syntax.pptx
@@ -60,12 +60,12 @@
     <p:sldId id="298" r:id="rId51"/>
     <p:sldId id="297" r:id="rId52"/>
     <p:sldId id="311" r:id="rId53"/>
-    <p:sldId id="312" r:id="rId54"/>
-    <p:sldId id="299" r:id="rId55"/>
-    <p:sldId id="300" r:id="rId56"/>
-    <p:sldId id="301" r:id="rId57"/>
-    <p:sldId id="302" r:id="rId58"/>
-    <p:sldId id="303" r:id="rId59"/>
+    <p:sldId id="299" r:id="rId54"/>
+    <p:sldId id="300" r:id="rId55"/>
+    <p:sldId id="301" r:id="rId56"/>
+    <p:sldId id="302" r:id="rId57"/>
+    <p:sldId id="303" r:id="rId58"/>
+    <p:sldId id="312" r:id="rId59"/>
     <p:sldId id="304" r:id="rId60"/>
     <p:sldId id="305" r:id="rId61"/>
     <p:sldId id="306" r:id="rId62"/>
@@ -33235,7 +33235,7 @@
           <p:cNvPr id="2" name="Title 1">
             <a:extLst>
               <a:ext uri="{FF2B5EF4-FFF2-40B4-BE49-F238E27FC236}">
-                <a16:creationId xmlns:a16="http://schemas.microsoft.com/office/drawing/2014/main" id="{A81A13F7-8B02-5F4B-B6B7-3D24ABB8089F}"/>
+                <a16:creationId xmlns:a16="http://schemas.microsoft.com/office/drawing/2014/main" id="{5D3A8544-5958-C142-9D69-429AF201A872}"/>
               </a:ext>
             </a:extLst>
           </p:cNvPr>
@@ -33263,7 +33263,7 @@
           <p:cNvPr id="3" name="Content Placeholder 2">
             <a:extLst>
               <a:ext uri="{FF2B5EF4-FFF2-40B4-BE49-F238E27FC236}">
-                <a16:creationId xmlns:a16="http://schemas.microsoft.com/office/drawing/2014/main" id="{9FA41841-30CF-9D4B-BD60-DCBD761E7FB4}"/>
+                <a16:creationId xmlns:a16="http://schemas.microsoft.com/office/drawing/2014/main" id="{542253AA-D6EE-7745-9686-F02FF76A5015}"/>
               </a:ext>
             </a:extLst>
           </p:cNvPr>
@@ -33279,177 +33279,9 @@
           <a:bodyPr/>
           <a:lstStyle/>
           <a:p>
-            <a:pPr marL="0" indent="0">
-              <a:buNone/>
-            </a:pPr>
             <a:r>
               <a:rPr lang="en-US" dirty="0"/>
-              <a:t>foreach symbol X</a:t>
-            </a:r>
-          </a:p>
-          <a:p>
-            <a:pPr marL="0" indent="0">
-              <a:buNone/>
-            </a:pPr>
-            <a:r>
-              <a:rPr lang="en-US" dirty="0"/>
-              <a:t>  Follow(X) = { }</a:t>
-            </a:r>
-          </a:p>
-          <a:p>
-            <a:pPr marL="0" indent="0">
-              <a:buNone/>
-            </a:pPr>
-            <a:r>
-              <a:rPr lang="en-US" dirty="0"/>
-              <a:t>repeat</a:t>
-            </a:r>
-          </a:p>
-          <a:p>
-            <a:pPr marL="0" indent="0">
-              <a:buNone/>
-            </a:pPr>
-            <a:r>
-              <a:rPr lang="en-US" dirty="0"/>
-              <a:t>  foreach production A </a:t>
-            </a:r>
-            <a:r>
-              <a:rPr lang="en-US" dirty="0">
-                <a:sym typeface="Wingdings" pitchFamily="2" charset="2"/>
-              </a:rPr>
-              <a:t> </a:t>
-            </a:r>
-            <a:r>
-              <a:rPr lang="en-US" dirty="0">
-                <a:latin typeface="Symbol" pitchFamily="2" charset="2"/>
-                <a:sym typeface="Wingdings" pitchFamily="2" charset="2"/>
-              </a:rPr>
-              <a:t>a</a:t>
-            </a:r>
-            <a:r>
-              <a:rPr lang="en-US" dirty="0">
-                <a:sym typeface="Wingdings" pitchFamily="2" charset="2"/>
-              </a:rPr>
-              <a:t> B </a:t>
-            </a:r>
-            <a:r>
-              <a:rPr lang="en-US" dirty="0">
-                <a:latin typeface="Symbol" pitchFamily="2" charset="2"/>
-                <a:sym typeface="Wingdings" pitchFamily="2" charset="2"/>
-              </a:rPr>
-              <a:t>b</a:t>
-            </a:r>
-          </a:p>
-          <a:p>
-            <a:pPr marL="0" indent="0">
-              <a:buNone/>
-            </a:pPr>
-            <a:r>
-              <a:rPr lang="en-US" dirty="0">
-                <a:sym typeface="Wingdings" pitchFamily="2" charset="2"/>
-              </a:rPr>
-              <a:t>    Follow(B) = Follow(B) U First(</a:t>
-            </a:r>
-            <a:r>
-              <a:rPr lang="en-US" dirty="0">
-                <a:latin typeface="Symbol" pitchFamily="2" charset="2"/>
-                <a:sym typeface="Wingdings" pitchFamily="2" charset="2"/>
-              </a:rPr>
-              <a:t>b</a:t>
-            </a:r>
-            <a:r>
-              <a:rPr lang="en-US" dirty="0">
-                <a:sym typeface="Wingdings" pitchFamily="2" charset="2"/>
-              </a:rPr>
-              <a:t>)</a:t>
-            </a:r>
-          </a:p>
-          <a:p>
-            <a:pPr marL="0" indent="0">
-              <a:buNone/>
-            </a:pPr>
-            <a:r>
-              <a:rPr lang="en-US" dirty="0">
-                <a:sym typeface="Wingdings" pitchFamily="2" charset="2"/>
-              </a:rPr>
-              <a:t>  foreach production</a:t>
-            </a:r>
-            <a:r>
-              <a:rPr lang="en-US" dirty="0"/>
-              <a:t> A </a:t>
-            </a:r>
-            <a:r>
-              <a:rPr lang="en-US" dirty="0">
-                <a:sym typeface="Wingdings" pitchFamily="2" charset="2"/>
-              </a:rPr>
-              <a:t> </a:t>
-            </a:r>
-            <a:r>
-              <a:rPr lang="en-US" dirty="0">
-                <a:latin typeface="Symbol" pitchFamily="2" charset="2"/>
-                <a:sym typeface="Wingdings" pitchFamily="2" charset="2"/>
-              </a:rPr>
-              <a:t>a</a:t>
-            </a:r>
-            <a:r>
-              <a:rPr lang="en-US" dirty="0">
-                <a:sym typeface="Wingdings" pitchFamily="2" charset="2"/>
-              </a:rPr>
-              <a:t> B or </a:t>
-            </a:r>
-            <a:r>
-              <a:rPr lang="en-US" dirty="0"/>
-              <a:t>A </a:t>
-            </a:r>
-            <a:r>
-              <a:rPr lang="en-US" dirty="0">
-                <a:sym typeface="Wingdings" pitchFamily="2" charset="2"/>
-              </a:rPr>
-              <a:t> </a:t>
-            </a:r>
-            <a:r>
-              <a:rPr lang="en-US" dirty="0">
-                <a:latin typeface="Symbol" pitchFamily="2" charset="2"/>
-                <a:sym typeface="Wingdings" pitchFamily="2" charset="2"/>
-              </a:rPr>
-              <a:t>a</a:t>
-            </a:r>
-            <a:r>
-              <a:rPr lang="en-US" dirty="0">
-                <a:sym typeface="Wingdings" pitchFamily="2" charset="2"/>
-              </a:rPr>
-              <a:t> B </a:t>
-            </a:r>
-            <a:r>
-              <a:rPr lang="en-US" dirty="0">
-                <a:latin typeface="Symbol" pitchFamily="2" charset="2"/>
-                <a:sym typeface="Wingdings" pitchFamily="2" charset="2"/>
-              </a:rPr>
-              <a:t>b</a:t>
-            </a:r>
-            <a:r>
-              <a:rPr lang="en-US" dirty="0">
-                <a:sym typeface="Wingdings" pitchFamily="2" charset="2"/>
-              </a:rPr>
-              <a:t> with Eps(b) = true</a:t>
-            </a:r>
-          </a:p>
-          <a:p>
-            <a:pPr marL="0" indent="0">
-              <a:buNone/>
-            </a:pPr>
-            <a:r>
-              <a:rPr lang="en-US" dirty="0"/>
-              <a:t>    Follow(B) = Follow(B) U Follow(A)</a:t>
-            </a:r>
-          </a:p>
-          <a:p>
-            <a:pPr marL="0" indent="0">
-              <a:buNone/>
-            </a:pPr>
-            <a:r>
-              <a:rPr lang="en-US" dirty="0"/>
-              <a:t>until no further progress</a:t>
+              <a:t>Apply rule (1):</a:t>
             </a:r>
           </a:p>
         </p:txBody>
@@ -33459,7 +33291,7 @@
           <p:cNvPr id="4" name="Footer Placeholder 3">
             <a:extLst>
               <a:ext uri="{FF2B5EF4-FFF2-40B4-BE49-F238E27FC236}">
-                <a16:creationId xmlns:a16="http://schemas.microsoft.com/office/drawing/2014/main" id="{B05340F1-F841-0444-B706-A6930FCAF92A}"/>
+                <a16:creationId xmlns:a16="http://schemas.microsoft.com/office/drawing/2014/main" id="{63420BBA-A729-224A-BAA2-60380E5E785A}"/>
               </a:ext>
             </a:extLst>
           </p:cNvPr>
@@ -33487,7 +33319,7 @@
           <p:cNvPr id="5" name="Slide Number Placeholder 4">
             <a:extLst>
               <a:ext uri="{FF2B5EF4-FFF2-40B4-BE49-F238E27FC236}">
-                <a16:creationId xmlns:a16="http://schemas.microsoft.com/office/drawing/2014/main" id="{DF4C7D3F-FE11-3649-8F0C-C5ED83F82DFD}"/>
+                <a16:creationId xmlns:a16="http://schemas.microsoft.com/office/drawing/2014/main" id="{EAE88F84-C5E9-AB4C-8C42-2C4820492D32}"/>
               </a:ext>
             </a:extLst>
           </p:cNvPr>
@@ -33506,188 +33338,6 @@
             <a:fld id="{A1E2C464-7E29-2A46-93D0-A6B1DC0F0CE8}" type="slidenum">
               <a:rPr lang="en-US" smtClean="0"/>
               <a:t>53</a:t>
-            </a:fld>
-            <a:endParaRPr lang="en-US"/>
-          </a:p>
-        </p:txBody>
-      </p:sp>
-      <p:sp>
-        <p:nvSpPr>
-          <p:cNvPr id="6" name="TextBox 5">
-            <a:extLst>
-              <a:ext uri="{FF2B5EF4-FFF2-40B4-BE49-F238E27FC236}">
-                <a16:creationId xmlns:a16="http://schemas.microsoft.com/office/drawing/2014/main" id="{53AF56C7-03FB-984E-A0DB-0116AED0EEF7}"/>
-              </a:ext>
-            </a:extLst>
-          </p:cNvPr>
-          <p:cNvSpPr txBox="1"/>
-          <p:nvPr/>
-        </p:nvSpPr>
-        <p:spPr>
-          <a:xfrm>
-            <a:off x="6016249" y="2666081"/>
-            <a:ext cx="5770554" cy="646331"/>
-          </a:xfrm>
-          <a:prstGeom prst="rect">
-            <a:avLst/>
-          </a:prstGeom>
-          <a:noFill/>
-        </p:spPr>
-        <p:txBody>
-          <a:bodyPr wrap="none" rtlCol="0">
-            <a:spAutoFit/>
-          </a:bodyPr>
-          <a:lstStyle/>
-          <a:p>
-            <a:r>
-              <a:rPr lang="en-US" sz="3600" dirty="0">
-                <a:solidFill>
-                  <a:srgbClr val="0D09F4"/>
-                </a:solidFill>
-              </a:rPr>
-              <a:t>Algorithm to build Follow sets</a:t>
-            </a:r>
-          </a:p>
-        </p:txBody>
-      </p:sp>
-    </p:spTree>
-    <p:extLst>
-      <p:ext uri="{BB962C8B-B14F-4D97-AF65-F5344CB8AC3E}">
-        <p14:creationId xmlns:p14="http://schemas.microsoft.com/office/powerpoint/2010/main" val="3792716158"/>
-      </p:ext>
-    </p:extLst>
-  </p:cSld>
-  <p:clrMapOvr>
-    <a:masterClrMapping/>
-  </p:clrMapOvr>
-</p:sld>
-</file>
-
-<file path=ppt/slides/slide54.xml><?xml version="1.0" encoding="utf-8"?>
-<p:sld xmlns:a="http://schemas.openxmlformats.org/drawingml/2006/main" xmlns:r="http://schemas.openxmlformats.org/officeDocument/2006/relationships" xmlns:p="http://schemas.openxmlformats.org/presentationml/2006/main">
-  <p:cSld>
-    <p:spTree>
-      <p:nvGrpSpPr>
-        <p:cNvPr id="1" name=""/>
-        <p:cNvGrpSpPr/>
-        <p:nvPr/>
-      </p:nvGrpSpPr>
-      <p:grpSpPr>
-        <a:xfrm>
-          <a:off x="0" y="0"/>
-          <a:ext cx="0" cy="0"/>
-          <a:chOff x="0" y="0"/>
-          <a:chExt cx="0" cy="0"/>
-        </a:xfrm>
-      </p:grpSpPr>
-      <p:sp>
-        <p:nvSpPr>
-          <p:cNvPr id="2" name="Title 1">
-            <a:extLst>
-              <a:ext uri="{FF2B5EF4-FFF2-40B4-BE49-F238E27FC236}">
-                <a16:creationId xmlns:a16="http://schemas.microsoft.com/office/drawing/2014/main" id="{5D3A8544-5958-C142-9D69-429AF201A872}"/>
-              </a:ext>
-            </a:extLst>
-          </p:cNvPr>
-          <p:cNvSpPr>
-            <a:spLocks noGrp="1"/>
-          </p:cNvSpPr>
-          <p:nvPr>
-            <p:ph type="title"/>
-          </p:nvPr>
-        </p:nvSpPr>
-        <p:spPr/>
-        <p:txBody>
-          <a:bodyPr/>
-          <a:lstStyle/>
-          <a:p>
-            <a:r>
-              <a:rPr lang="en-US" dirty="0"/>
-              <a:t>LL Parsing</a:t>
-            </a:r>
-          </a:p>
-        </p:txBody>
-      </p:sp>
-      <p:sp>
-        <p:nvSpPr>
-          <p:cNvPr id="3" name="Content Placeholder 2">
-            <a:extLst>
-              <a:ext uri="{FF2B5EF4-FFF2-40B4-BE49-F238E27FC236}">
-                <a16:creationId xmlns:a16="http://schemas.microsoft.com/office/drawing/2014/main" id="{542253AA-D6EE-7745-9686-F02FF76A5015}"/>
-              </a:ext>
-            </a:extLst>
-          </p:cNvPr>
-          <p:cNvSpPr>
-            <a:spLocks noGrp="1"/>
-          </p:cNvSpPr>
-          <p:nvPr>
-            <p:ph idx="1"/>
-          </p:nvPr>
-        </p:nvSpPr>
-        <p:spPr/>
-        <p:txBody>
-          <a:bodyPr/>
-          <a:lstStyle/>
-          <a:p>
-            <a:r>
-              <a:rPr lang="en-US" dirty="0"/>
-              <a:t>Apply rule (1):</a:t>
-            </a:r>
-          </a:p>
-        </p:txBody>
-      </p:sp>
-      <p:sp>
-        <p:nvSpPr>
-          <p:cNvPr id="4" name="Footer Placeholder 3">
-            <a:extLst>
-              <a:ext uri="{FF2B5EF4-FFF2-40B4-BE49-F238E27FC236}">
-                <a16:creationId xmlns:a16="http://schemas.microsoft.com/office/drawing/2014/main" id="{63420BBA-A729-224A-BAA2-60380E5E785A}"/>
-              </a:ext>
-            </a:extLst>
-          </p:cNvPr>
-          <p:cNvSpPr>
-            <a:spLocks noGrp="1"/>
-          </p:cNvSpPr>
-          <p:nvPr>
-            <p:ph type="ftr" sz="quarter" idx="11"/>
-          </p:nvPr>
-        </p:nvSpPr>
-        <p:spPr/>
-        <p:txBody>
-          <a:bodyPr/>
-          <a:lstStyle/>
-          <a:p>
-            <a:r>
-              <a:rPr lang="en-US"/>
-              <a:t>Principles of Programming Language</a:t>
-            </a:r>
-          </a:p>
-        </p:txBody>
-      </p:sp>
-      <p:sp>
-        <p:nvSpPr>
-          <p:cNvPr id="5" name="Slide Number Placeholder 4">
-            <a:extLst>
-              <a:ext uri="{FF2B5EF4-FFF2-40B4-BE49-F238E27FC236}">
-                <a16:creationId xmlns:a16="http://schemas.microsoft.com/office/drawing/2014/main" id="{EAE88F84-C5E9-AB4C-8C42-2C4820492D32}"/>
-              </a:ext>
-            </a:extLst>
-          </p:cNvPr>
-          <p:cNvSpPr>
-            <a:spLocks noGrp="1"/>
-          </p:cNvSpPr>
-          <p:nvPr>
-            <p:ph type="sldNum" sz="quarter" idx="12"/>
-          </p:nvPr>
-        </p:nvSpPr>
-        <p:spPr/>
-        <p:txBody>
-          <a:bodyPr/>
-          <a:lstStyle/>
-          <a:p>
-            <a:fld id="{A1E2C464-7E29-2A46-93D0-A6B1DC0F0CE8}" type="slidenum">
-              <a:rPr lang="en-US" smtClean="0"/>
-              <a:t>54</a:t>
             </a:fld>
             <a:endParaRPr lang="en-US"/>
           </a:p>
@@ -34101,7 +33751,7 @@
 </p:sld>
 </file>
 
-<file path=ppt/slides/slide55.xml><?xml version="1.0" encoding="utf-8"?>
+<file path=ppt/slides/slide54.xml><?xml version="1.0" encoding="utf-8"?>
 <p:sld xmlns:a="http://schemas.openxmlformats.org/drawingml/2006/main" xmlns:r="http://schemas.openxmlformats.org/officeDocument/2006/relationships" xmlns:p="http://schemas.openxmlformats.org/presentationml/2006/main">
   <p:cSld>
     <p:spTree>
@@ -34273,7 +33923,7 @@
           <a:p>
             <a:fld id="{A1E2C464-7E29-2A46-93D0-A6B1DC0F0CE8}" type="slidenum">
               <a:rPr lang="en-US" smtClean="0"/>
-              <a:t>55</a:t>
+              <a:t>54</a:t>
             </a:fld>
             <a:endParaRPr lang="en-US"/>
           </a:p>
@@ -34723,7 +34373,7 @@
 </p:sld>
 </file>
 
-<file path=ppt/slides/slide56.xml><?xml version="1.0" encoding="utf-8"?>
+<file path=ppt/slides/slide55.xml><?xml version="1.0" encoding="utf-8"?>
 <p:sld xmlns:a="http://schemas.openxmlformats.org/drawingml/2006/main" xmlns:r="http://schemas.openxmlformats.org/officeDocument/2006/relationships" xmlns:p="http://schemas.openxmlformats.org/presentationml/2006/main">
   <p:cSld>
     <p:spTree>
@@ -35073,7 +34723,7 @@
           <a:p>
             <a:fld id="{A1E2C464-7E29-2A46-93D0-A6B1DC0F0CE8}" type="slidenum">
               <a:rPr lang="en-US" smtClean="0"/>
-              <a:t>56</a:t>
+              <a:t>55</a:t>
             </a:fld>
             <a:endParaRPr lang="en-US"/>
           </a:p>
@@ -35771,7 +35421,7 @@
 </p:sld>
 </file>
 
-<file path=ppt/slides/slide57.xml><?xml version="1.0" encoding="utf-8"?>
+<file path=ppt/slides/slide56.xml><?xml version="1.0" encoding="utf-8"?>
 <p:sld xmlns:a="http://schemas.openxmlformats.org/drawingml/2006/main" xmlns:r="http://schemas.openxmlformats.org/officeDocument/2006/relationships" xmlns:p="http://schemas.openxmlformats.org/presentationml/2006/main">
   <p:cSld>
     <p:spTree>
@@ -36121,7 +35771,7 @@
           <a:p>
             <a:fld id="{A1E2C464-7E29-2A46-93D0-A6B1DC0F0CE8}" type="slidenum">
               <a:rPr lang="en-US" smtClean="0"/>
-              <a:t>57</a:t>
+              <a:t>56</a:t>
             </a:fld>
             <a:endParaRPr lang="en-US"/>
           </a:p>
@@ -36887,7 +36537,7 @@
 </p:sld>
 </file>
 
-<file path=ppt/slides/slide58.xml><?xml version="1.0" encoding="utf-8"?>
+<file path=ppt/slides/slide57.xml><?xml version="1.0" encoding="utf-8"?>
 <p:sld xmlns:a="http://schemas.openxmlformats.org/drawingml/2006/main" xmlns:r="http://schemas.openxmlformats.org/officeDocument/2006/relationships" xmlns:p="http://schemas.openxmlformats.org/presentationml/2006/main">
   <p:cSld>
     <p:spTree>
@@ -37237,7 +36887,7 @@
           <a:p>
             <a:fld id="{A1E2C464-7E29-2A46-93D0-A6B1DC0F0CE8}" type="slidenum">
               <a:rPr lang="en-US" smtClean="0"/>
-              <a:t>58</a:t>
+              <a:t>57</a:t>
             </a:fld>
             <a:endParaRPr lang="en-US"/>
           </a:p>
@@ -37984,6 +37634,369 @@
     <p:extLst>
       <p:ext uri="{BB962C8B-B14F-4D97-AF65-F5344CB8AC3E}">
         <p14:creationId xmlns:p14="http://schemas.microsoft.com/office/powerpoint/2010/main" val="1821354113"/>
+      </p:ext>
+    </p:extLst>
+  </p:cSld>
+  <p:clrMapOvr>
+    <a:masterClrMapping/>
+  </p:clrMapOvr>
+</p:sld>
+</file>
+
+<file path=ppt/slides/slide58.xml><?xml version="1.0" encoding="utf-8"?>
+<p:sld xmlns:a="http://schemas.openxmlformats.org/drawingml/2006/main" xmlns:r="http://schemas.openxmlformats.org/officeDocument/2006/relationships" xmlns:p="http://schemas.openxmlformats.org/presentationml/2006/main">
+  <p:cSld>
+    <p:spTree>
+      <p:nvGrpSpPr>
+        <p:cNvPr id="1" name=""/>
+        <p:cNvGrpSpPr/>
+        <p:nvPr/>
+      </p:nvGrpSpPr>
+      <p:grpSpPr>
+        <a:xfrm>
+          <a:off x="0" y="0"/>
+          <a:ext cx="0" cy="0"/>
+          <a:chOff x="0" y="0"/>
+          <a:chExt cx="0" cy="0"/>
+        </a:xfrm>
+      </p:grpSpPr>
+      <p:sp>
+        <p:nvSpPr>
+          <p:cNvPr id="2" name="Title 1">
+            <a:extLst>
+              <a:ext uri="{FF2B5EF4-FFF2-40B4-BE49-F238E27FC236}">
+                <a16:creationId xmlns:a16="http://schemas.microsoft.com/office/drawing/2014/main" id="{A81A13F7-8B02-5F4B-B6B7-3D24ABB8089F}"/>
+              </a:ext>
+            </a:extLst>
+          </p:cNvPr>
+          <p:cNvSpPr>
+            <a:spLocks noGrp="1"/>
+          </p:cNvSpPr>
+          <p:nvPr>
+            <p:ph type="title"/>
+          </p:nvPr>
+        </p:nvSpPr>
+        <p:spPr/>
+        <p:txBody>
+          <a:bodyPr/>
+          <a:lstStyle/>
+          <a:p>
+            <a:r>
+              <a:rPr lang="en-US" dirty="0"/>
+              <a:t>LL Parsing</a:t>
+            </a:r>
+          </a:p>
+        </p:txBody>
+      </p:sp>
+      <p:sp>
+        <p:nvSpPr>
+          <p:cNvPr id="3" name="Content Placeholder 2">
+            <a:extLst>
+              <a:ext uri="{FF2B5EF4-FFF2-40B4-BE49-F238E27FC236}">
+                <a16:creationId xmlns:a16="http://schemas.microsoft.com/office/drawing/2014/main" id="{9FA41841-30CF-9D4B-BD60-DCBD761E7FB4}"/>
+              </a:ext>
+            </a:extLst>
+          </p:cNvPr>
+          <p:cNvSpPr>
+            <a:spLocks noGrp="1"/>
+          </p:cNvSpPr>
+          <p:nvPr>
+            <p:ph idx="1"/>
+          </p:nvPr>
+        </p:nvSpPr>
+        <p:spPr/>
+        <p:txBody>
+          <a:bodyPr/>
+          <a:lstStyle/>
+          <a:p>
+            <a:pPr marL="0" indent="0">
+              <a:buNone/>
+            </a:pPr>
+            <a:r>
+              <a:rPr lang="en-US" dirty="0"/>
+              <a:t>foreach symbol X</a:t>
+            </a:r>
+          </a:p>
+          <a:p>
+            <a:pPr marL="0" indent="0">
+              <a:buNone/>
+            </a:pPr>
+            <a:r>
+              <a:rPr lang="en-US" dirty="0"/>
+              <a:t>  Follow(X) = { }</a:t>
+            </a:r>
+          </a:p>
+          <a:p>
+            <a:pPr marL="0" indent="0">
+              <a:buNone/>
+            </a:pPr>
+            <a:r>
+              <a:rPr lang="en-US" dirty="0"/>
+              <a:t>repeat</a:t>
+            </a:r>
+          </a:p>
+          <a:p>
+            <a:pPr marL="0" indent="0">
+              <a:buNone/>
+            </a:pPr>
+            <a:r>
+              <a:rPr lang="en-US" dirty="0"/>
+              <a:t>  foreach production A </a:t>
+            </a:r>
+            <a:r>
+              <a:rPr lang="en-US" dirty="0">
+                <a:sym typeface="Wingdings" pitchFamily="2" charset="2"/>
+              </a:rPr>
+              <a:t> </a:t>
+            </a:r>
+            <a:r>
+              <a:rPr lang="en-US" dirty="0">
+                <a:latin typeface="Symbol" pitchFamily="2" charset="2"/>
+                <a:sym typeface="Wingdings" pitchFamily="2" charset="2"/>
+              </a:rPr>
+              <a:t>a</a:t>
+            </a:r>
+            <a:r>
+              <a:rPr lang="en-US" dirty="0">
+                <a:sym typeface="Wingdings" pitchFamily="2" charset="2"/>
+              </a:rPr>
+              <a:t> B </a:t>
+            </a:r>
+            <a:r>
+              <a:rPr lang="en-US" dirty="0">
+                <a:latin typeface="Symbol" pitchFamily="2" charset="2"/>
+                <a:sym typeface="Wingdings" pitchFamily="2" charset="2"/>
+              </a:rPr>
+              <a:t>b</a:t>
+            </a:r>
+          </a:p>
+          <a:p>
+            <a:pPr marL="0" indent="0">
+              <a:buNone/>
+            </a:pPr>
+            <a:r>
+              <a:rPr lang="en-US" dirty="0">
+                <a:sym typeface="Wingdings" pitchFamily="2" charset="2"/>
+              </a:rPr>
+              <a:t>    Follow(B) = Follow(B) U First(</a:t>
+            </a:r>
+            <a:r>
+              <a:rPr lang="en-US" dirty="0">
+                <a:latin typeface="Symbol" pitchFamily="2" charset="2"/>
+                <a:sym typeface="Wingdings" pitchFamily="2" charset="2"/>
+              </a:rPr>
+              <a:t>b</a:t>
+            </a:r>
+            <a:r>
+              <a:rPr lang="en-US" dirty="0">
+                <a:sym typeface="Wingdings" pitchFamily="2" charset="2"/>
+              </a:rPr>
+              <a:t>)</a:t>
+            </a:r>
+          </a:p>
+          <a:p>
+            <a:pPr marL="0" indent="0">
+              <a:buNone/>
+            </a:pPr>
+            <a:r>
+              <a:rPr lang="en-US" dirty="0">
+                <a:sym typeface="Wingdings" pitchFamily="2" charset="2"/>
+              </a:rPr>
+              <a:t>  foreach production</a:t>
+            </a:r>
+            <a:r>
+              <a:rPr lang="en-US" dirty="0"/>
+              <a:t> A </a:t>
+            </a:r>
+            <a:r>
+              <a:rPr lang="en-US" dirty="0">
+                <a:sym typeface="Wingdings" pitchFamily="2" charset="2"/>
+              </a:rPr>
+              <a:t> </a:t>
+            </a:r>
+            <a:r>
+              <a:rPr lang="en-US" dirty="0">
+                <a:latin typeface="Symbol" pitchFamily="2" charset="2"/>
+                <a:sym typeface="Wingdings" pitchFamily="2" charset="2"/>
+              </a:rPr>
+              <a:t>a</a:t>
+            </a:r>
+            <a:r>
+              <a:rPr lang="en-US" dirty="0">
+                <a:sym typeface="Wingdings" pitchFamily="2" charset="2"/>
+              </a:rPr>
+              <a:t> B or </a:t>
+            </a:r>
+            <a:r>
+              <a:rPr lang="en-US" dirty="0"/>
+              <a:t>A </a:t>
+            </a:r>
+            <a:r>
+              <a:rPr lang="en-US" dirty="0">
+                <a:sym typeface="Wingdings" pitchFamily="2" charset="2"/>
+              </a:rPr>
+              <a:t> </a:t>
+            </a:r>
+            <a:r>
+              <a:rPr lang="en-US" dirty="0">
+                <a:latin typeface="Symbol" pitchFamily="2" charset="2"/>
+                <a:sym typeface="Wingdings" pitchFamily="2" charset="2"/>
+              </a:rPr>
+              <a:t>a</a:t>
+            </a:r>
+            <a:r>
+              <a:rPr lang="en-US" dirty="0">
+                <a:sym typeface="Wingdings" pitchFamily="2" charset="2"/>
+              </a:rPr>
+              <a:t> B </a:t>
+            </a:r>
+            <a:r>
+              <a:rPr lang="en-US" dirty="0">
+                <a:latin typeface="Symbol" pitchFamily="2" charset="2"/>
+                <a:sym typeface="Wingdings" pitchFamily="2" charset="2"/>
+              </a:rPr>
+              <a:t>b</a:t>
+            </a:r>
+            <a:r>
+              <a:rPr lang="en-US" dirty="0">
+                <a:sym typeface="Wingdings" pitchFamily="2" charset="2"/>
+              </a:rPr>
+              <a:t> with Eps(</a:t>
+            </a:r>
+            <a:r>
+              <a:rPr lang="en-US" dirty="0">
+                <a:latin typeface="Symbol" pitchFamily="2" charset="2"/>
+                <a:sym typeface="Wingdings" pitchFamily="2" charset="2"/>
+              </a:rPr>
+              <a:t>b</a:t>
+            </a:r>
+            <a:r>
+              <a:rPr lang="en-US" dirty="0">
+                <a:sym typeface="Wingdings" pitchFamily="2" charset="2"/>
+              </a:rPr>
+              <a:t>) = true</a:t>
+            </a:r>
+          </a:p>
+          <a:p>
+            <a:pPr marL="0" indent="0">
+              <a:buNone/>
+            </a:pPr>
+            <a:r>
+              <a:rPr lang="en-US" dirty="0"/>
+              <a:t>    Follow(B) = Follow(B) U Follow(A)</a:t>
+            </a:r>
+          </a:p>
+          <a:p>
+            <a:pPr marL="0" indent="0">
+              <a:buNone/>
+            </a:pPr>
+            <a:r>
+              <a:rPr lang="en-US" dirty="0"/>
+              <a:t>until no further progress</a:t>
+            </a:r>
+          </a:p>
+        </p:txBody>
+      </p:sp>
+      <p:sp>
+        <p:nvSpPr>
+          <p:cNvPr id="4" name="Footer Placeholder 3">
+            <a:extLst>
+              <a:ext uri="{FF2B5EF4-FFF2-40B4-BE49-F238E27FC236}">
+                <a16:creationId xmlns:a16="http://schemas.microsoft.com/office/drawing/2014/main" id="{B05340F1-F841-0444-B706-A6930FCAF92A}"/>
+              </a:ext>
+            </a:extLst>
+          </p:cNvPr>
+          <p:cNvSpPr>
+            <a:spLocks noGrp="1"/>
+          </p:cNvSpPr>
+          <p:nvPr>
+            <p:ph type="ftr" sz="quarter" idx="11"/>
+          </p:nvPr>
+        </p:nvSpPr>
+        <p:spPr/>
+        <p:txBody>
+          <a:bodyPr/>
+          <a:lstStyle/>
+          <a:p>
+            <a:r>
+              <a:rPr lang="en-US"/>
+              <a:t>Principles of Programming Language</a:t>
+            </a:r>
+          </a:p>
+        </p:txBody>
+      </p:sp>
+      <p:sp>
+        <p:nvSpPr>
+          <p:cNvPr id="5" name="Slide Number Placeholder 4">
+            <a:extLst>
+              <a:ext uri="{FF2B5EF4-FFF2-40B4-BE49-F238E27FC236}">
+                <a16:creationId xmlns:a16="http://schemas.microsoft.com/office/drawing/2014/main" id="{DF4C7D3F-FE11-3649-8F0C-C5ED83F82DFD}"/>
+              </a:ext>
+            </a:extLst>
+          </p:cNvPr>
+          <p:cNvSpPr>
+            <a:spLocks noGrp="1"/>
+          </p:cNvSpPr>
+          <p:nvPr>
+            <p:ph type="sldNum" sz="quarter" idx="12"/>
+          </p:nvPr>
+        </p:nvSpPr>
+        <p:spPr/>
+        <p:txBody>
+          <a:bodyPr/>
+          <a:lstStyle/>
+          <a:p>
+            <a:fld id="{A1E2C464-7E29-2A46-93D0-A6B1DC0F0CE8}" type="slidenum">
+              <a:rPr lang="en-US" smtClean="0"/>
+              <a:t>58</a:t>
+            </a:fld>
+            <a:endParaRPr lang="en-US"/>
+          </a:p>
+        </p:txBody>
+      </p:sp>
+      <p:sp>
+        <p:nvSpPr>
+          <p:cNvPr id="6" name="TextBox 5">
+            <a:extLst>
+              <a:ext uri="{FF2B5EF4-FFF2-40B4-BE49-F238E27FC236}">
+                <a16:creationId xmlns:a16="http://schemas.microsoft.com/office/drawing/2014/main" id="{53AF56C7-03FB-984E-A0DB-0116AED0EEF7}"/>
+              </a:ext>
+            </a:extLst>
+          </p:cNvPr>
+          <p:cNvSpPr txBox="1"/>
+          <p:nvPr/>
+        </p:nvSpPr>
+        <p:spPr>
+          <a:xfrm>
+            <a:off x="6016249" y="2666081"/>
+            <a:ext cx="5770554" cy="646331"/>
+          </a:xfrm>
+          <a:prstGeom prst="rect">
+            <a:avLst/>
+          </a:prstGeom>
+          <a:noFill/>
+        </p:spPr>
+        <p:txBody>
+          <a:bodyPr wrap="none" rtlCol="0">
+            <a:spAutoFit/>
+          </a:bodyPr>
+          <a:lstStyle/>
+          <a:p>
+            <a:r>
+              <a:rPr lang="en-US" sz="3600" dirty="0">
+                <a:solidFill>
+                  <a:srgbClr val="0D09F4"/>
+                </a:solidFill>
+              </a:rPr>
+              <a:t>Algorithm to build Follow sets</a:t>
+            </a:r>
+          </a:p>
+        </p:txBody>
+      </p:sp>
+    </p:spTree>
+    <p:extLst>
+      <p:ext uri="{BB962C8B-B14F-4D97-AF65-F5344CB8AC3E}">
+        <p14:creationId xmlns:p14="http://schemas.microsoft.com/office/powerpoint/2010/main" val="603198398"/>
       </p:ext>
     </p:extLst>
   </p:cSld>

--- a/syntax.pptx
+++ b/syntax.pptx
@@ -26878,21 +26878,8 @@
                 <a:cs typeface="Consolas" panose="020B0609020204030204" pitchFamily="49" charset="0"/>
                 <a:sym typeface="Courier New" charset="0"/>
               </a:rPr>
-              <a:t> 	| </a:t>
-            </a:r>
-            <a:r>
-              <a:rPr lang="en-US" sz="2600" dirty="0" err="1">
-                <a:latin typeface="Consolas" panose="020B0609020204030204" pitchFamily="49" charset="0"/>
-                <a:cs typeface="Consolas" panose="020B0609020204030204" pitchFamily="49" charset="0"/>
-                <a:sym typeface="Courier New Italic" charset="0"/>
-              </a:rPr>
-              <a:t>other_stuff</a:t>
-            </a:r>
-            <a:endParaRPr lang="en-US" sz="2600" dirty="0">
-              <a:latin typeface="Consolas" panose="020B0609020204030204" pitchFamily="49" charset="0"/>
-              <a:cs typeface="Consolas" panose="020B0609020204030204" pitchFamily="49" charset="0"/>
-              <a:sym typeface="Courier New Italic" charset="0"/>
-            </a:endParaRPr>
+              <a:t> </a:t>
+            </a:r>
           </a:p>
           <a:p>
             <a:pPr marL="1182688" lvl="2">
@@ -26903,52 +26890,20 @@
               <a:defRPr/>
             </a:pPr>
             <a:r>
+              <a:rPr lang="en-US" sz="2600" dirty="0">
+                <a:latin typeface="Consolas" panose="020B0609020204030204" pitchFamily="49" charset="0"/>
+                <a:cs typeface="Consolas" panose="020B0609020204030204" pitchFamily="49" charset="0"/>
+                <a:sym typeface="Courier New" charset="0"/>
+              </a:rPr>
+              <a:t>		| </a:t>
+            </a:r>
+            <a:r>
               <a:rPr lang="en-US" sz="2600" dirty="0" err="1">
                 <a:latin typeface="Consolas" panose="020B0609020204030204" pitchFamily="49" charset="0"/>
                 <a:cs typeface="Consolas" panose="020B0609020204030204" pitchFamily="49" charset="0"/>
                 <a:sym typeface="Courier New Italic" charset="0"/>
               </a:rPr>
-              <a:t>then_claus</a:t>
-            </a:r>
-            <a:r>
-              <a:rPr lang="en-US" sz="2600" dirty="0" err="1">
-                <a:latin typeface="Consolas" panose="020B0609020204030204" pitchFamily="49" charset="0"/>
-                <a:cs typeface="Consolas" panose="020B0609020204030204" pitchFamily="49" charset="0"/>
-                <a:sym typeface="Courier New" charset="0"/>
-              </a:rPr>
-              <a:t>e</a:t>
-            </a:r>
-            <a:r>
-              <a:rPr lang="en-US" sz="2600" dirty="0">
-                <a:latin typeface="Consolas" panose="020B0609020204030204" pitchFamily="49" charset="0"/>
-                <a:cs typeface="Consolas" panose="020B0609020204030204" pitchFamily="49" charset="0"/>
-                <a:sym typeface="Courier New" charset="0"/>
-              </a:rPr>
-              <a:t> </a:t>
-            </a:r>
-            <a:r>
-              <a:rPr lang="en-US" sz="2600" dirty="0">
-                <a:latin typeface="Consolas" panose="020B0609020204030204" pitchFamily="49" charset="0"/>
-                <a:cs typeface="Consolas" panose="020B0609020204030204" pitchFamily="49" charset="0"/>
-                <a:sym typeface="Symbol" charset="0"/>
-              </a:rPr>
-              <a:t>→</a:t>
-            </a:r>
-            <a:r>
-              <a:rPr lang="en-US" sz="2600" dirty="0">
-                <a:latin typeface="Consolas" panose="020B0609020204030204" pitchFamily="49" charset="0"/>
-                <a:cs typeface="Consolas" panose="020B0609020204030204" pitchFamily="49" charset="0"/>
-                <a:sym typeface="Courier New" charset="0"/>
-              </a:rPr>
-              <a:t> then </a:t>
-            </a:r>
-            <a:r>
-              <a:rPr lang="en-US" sz="2600" dirty="0" err="1">
-                <a:latin typeface="Consolas" panose="020B0609020204030204" pitchFamily="49" charset="0"/>
-                <a:cs typeface="Consolas" panose="020B0609020204030204" pitchFamily="49" charset="0"/>
-                <a:sym typeface="Courier New Italic" charset="0"/>
-              </a:rPr>
-              <a:t>stmt</a:t>
+              <a:t>other_stmt</a:t>
             </a:r>
             <a:endParaRPr lang="en-US" sz="2600" dirty="0">
               <a:latin typeface="Consolas" panose="020B0609020204030204" pitchFamily="49" charset="0"/>
@@ -26970,7 +26925,15 @@
                 <a:cs typeface="Consolas" panose="020B0609020204030204" pitchFamily="49" charset="0"/>
                 <a:sym typeface="Courier New Italic" charset="0"/>
               </a:rPr>
-              <a:t>else_clause</a:t>
+              <a:t>then_claus</a:t>
+            </a:r>
+            <a:r>
+              <a:rPr lang="en-US" sz="2600" dirty="0" err="1">
+                <a:latin typeface="Consolas" panose="020B0609020204030204" pitchFamily="49" charset="0"/>
+                <a:cs typeface="Consolas" panose="020B0609020204030204" pitchFamily="49" charset="0"/>
+                <a:sym typeface="Courier New" charset="0"/>
+              </a:rPr>
+              <a:t>e</a:t>
             </a:r>
             <a:r>
               <a:rPr lang="en-US" sz="2600" dirty="0">
@@ -26994,7 +26957,7 @@
                 <a:cs typeface="Consolas" panose="020B0609020204030204" pitchFamily="49" charset="0"/>
                 <a:sym typeface="Courier New" charset="0"/>
               </a:rPr>
-              <a:t> else </a:t>
+              <a:t> then </a:t>
             </a:r>
             <a:r>
               <a:rPr lang="en-US" sz="2600" dirty="0" err="1">
@@ -27004,14 +26967,11 @@
               </a:rPr>
               <a:t>stmt</a:t>
             </a:r>
-            <a:r>
-              <a:rPr lang="en-US" sz="2600" dirty="0">
-                <a:latin typeface="Consolas" panose="020B0609020204030204" pitchFamily="49" charset="0"/>
-                <a:cs typeface="Consolas" panose="020B0609020204030204" pitchFamily="49" charset="0"/>
-                <a:sym typeface="Courier New" charset="0"/>
-              </a:rPr>
-              <a:t> </a:t>
-            </a:r>
+            <a:endParaRPr lang="en-US" sz="2600" dirty="0">
+              <a:latin typeface="Consolas" panose="020B0609020204030204" pitchFamily="49" charset="0"/>
+              <a:cs typeface="Consolas" panose="020B0609020204030204" pitchFamily="49" charset="0"/>
+              <a:sym typeface="Courier New Italic" charset="0"/>
+            </a:endParaRPr>
           </a:p>
           <a:p>
             <a:pPr marL="1182688" lvl="2">
@@ -27022,6 +26982,63 @@
               <a:defRPr/>
             </a:pPr>
             <a:r>
+              <a:rPr lang="en-US" sz="2600" dirty="0" err="1">
+                <a:latin typeface="Consolas" panose="020B0609020204030204" pitchFamily="49" charset="0"/>
+                <a:cs typeface="Consolas" panose="020B0609020204030204" pitchFamily="49" charset="0"/>
+                <a:sym typeface="Courier New Italic" charset="0"/>
+              </a:rPr>
+              <a:t>else_clause</a:t>
+            </a:r>
+            <a:r>
+              <a:rPr lang="en-US" sz="2600" dirty="0">
+                <a:latin typeface="Consolas" panose="020B0609020204030204" pitchFamily="49" charset="0"/>
+                <a:cs typeface="Consolas" panose="020B0609020204030204" pitchFamily="49" charset="0"/>
+                <a:sym typeface="Courier New" charset="0"/>
+              </a:rPr>
+              <a:t> </a:t>
+            </a:r>
+            <a:r>
+              <a:rPr lang="en-US" sz="2600" dirty="0">
+                <a:latin typeface="Consolas" panose="020B0609020204030204" pitchFamily="49" charset="0"/>
+                <a:cs typeface="Consolas" panose="020B0609020204030204" pitchFamily="49" charset="0"/>
+                <a:sym typeface="Symbol" charset="0"/>
+              </a:rPr>
+              <a:t>→</a:t>
+            </a:r>
+            <a:r>
+              <a:rPr lang="en-US" sz="2600" dirty="0">
+                <a:latin typeface="Consolas" panose="020B0609020204030204" pitchFamily="49" charset="0"/>
+                <a:cs typeface="Consolas" panose="020B0609020204030204" pitchFamily="49" charset="0"/>
+                <a:sym typeface="Courier New" charset="0"/>
+              </a:rPr>
+              <a:t> else </a:t>
+            </a:r>
+            <a:r>
+              <a:rPr lang="en-US" sz="2600" dirty="0" err="1">
+                <a:latin typeface="Consolas" panose="020B0609020204030204" pitchFamily="49" charset="0"/>
+                <a:cs typeface="Consolas" panose="020B0609020204030204" pitchFamily="49" charset="0"/>
+                <a:sym typeface="Courier New Italic" charset="0"/>
+              </a:rPr>
+              <a:t>stmt</a:t>
+            </a:r>
+            <a:r>
+              <a:rPr lang="en-US" sz="2600" dirty="0">
+                <a:latin typeface="Consolas" panose="020B0609020204030204" pitchFamily="49" charset="0"/>
+                <a:cs typeface="Consolas" panose="020B0609020204030204" pitchFamily="49" charset="0"/>
+                <a:sym typeface="Courier New" charset="0"/>
+              </a:rPr>
+              <a:t> </a:t>
+            </a:r>
+          </a:p>
+          <a:p>
+            <a:pPr marL="1182688" lvl="2">
+              <a:lnSpc>
+                <a:spcPct val="150000"/>
+              </a:lnSpc>
+              <a:buNone/>
+              <a:defRPr/>
+            </a:pPr>
+            <a:r>
               <a:rPr lang="en-US" sz="2600" dirty="0">
                 <a:latin typeface="Consolas" panose="020B0609020204030204" pitchFamily="49" charset="0"/>
                 <a:cs typeface="Consolas" panose="020B0609020204030204" pitchFamily="49" charset="0"/>
@@ -27107,82 +27124,88 @@
         </p:nvSpPr>
         <p:spPr>
           <a:xfrm>
-            <a:off x="1464325" y="3523082"/>
-            <a:ext cx="7591540" cy="2653881"/>
+            <a:off x="1464324" y="3523082"/>
+            <a:ext cx="8413601" cy="2653881"/>
           </a:xfrm>
           <a:custGeom>
             <a:avLst/>
             <a:gdLst>
-              <a:gd name="connsiteX0" fmla="*/ 0 w 7591540"/>
+              <a:gd name="connsiteX0" fmla="*/ 0 w 8413601"/>
               <a:gd name="connsiteY0" fmla="*/ 442322 h 2653881"/>
-              <a:gd name="connsiteX1" fmla="*/ 442322 w 7591540"/>
+              <a:gd name="connsiteX1" fmla="*/ 442322 w 8413601"/>
               <a:gd name="connsiteY1" fmla="*/ 0 h 2653881"/>
-              <a:gd name="connsiteX2" fmla="*/ 1068299 w 7591540"/>
+              <a:gd name="connsiteX2" fmla="*/ 1096762 w 8413601"/>
               <a:gd name="connsiteY2" fmla="*/ 0 h 2653881"/>
-              <a:gd name="connsiteX3" fmla="*/ 1627207 w 7591540"/>
+              <a:gd name="connsiteX3" fmla="*/ 1675913 w 8413601"/>
               <a:gd name="connsiteY3" fmla="*/ 0 h 2653881"/>
-              <a:gd name="connsiteX4" fmla="*/ 2253184 w 7591540"/>
+              <a:gd name="connsiteX4" fmla="*/ 2330353 w 8413601"/>
               <a:gd name="connsiteY4" fmla="*/ 0 h 2653881"/>
-              <a:gd name="connsiteX5" fmla="*/ 2610885 w 7591540"/>
+              <a:gd name="connsiteX5" fmla="*/ 2683635 w 8413601"/>
               <a:gd name="connsiteY5" fmla="*/ 0 h 2653881"/>
-              <a:gd name="connsiteX6" fmla="*/ 3102724 w 7591540"/>
+              <a:gd name="connsiteX6" fmla="*/ 3187496 w 8413601"/>
               <a:gd name="connsiteY6" fmla="*/ 0 h 2653881"/>
-              <a:gd name="connsiteX7" fmla="*/ 3527494 w 7591540"/>
+              <a:gd name="connsiteX7" fmla="*/ 3616067 w 8413601"/>
               <a:gd name="connsiteY7" fmla="*/ 0 h 2653881"/>
-              <a:gd name="connsiteX8" fmla="*/ 4086402 w 7591540"/>
+              <a:gd name="connsiteX8" fmla="*/ 4195217 w 8413601"/>
               <a:gd name="connsiteY8" fmla="*/ 0 h 2653881"/>
-              <a:gd name="connsiteX9" fmla="*/ 4511172 w 7591540"/>
+              <a:gd name="connsiteX9" fmla="*/ 4623789 w 8413601"/>
               <a:gd name="connsiteY9" fmla="*/ 0 h 2653881"/>
-              <a:gd name="connsiteX10" fmla="*/ 4868873 w 7591540"/>
+              <a:gd name="connsiteX10" fmla="*/ 4977071 w 8413601"/>
               <a:gd name="connsiteY10" fmla="*/ 0 h 2653881"/>
-              <a:gd name="connsiteX11" fmla="*/ 5561919 w 7591540"/>
+              <a:gd name="connsiteX11" fmla="*/ 5706800 w 8413601"/>
               <a:gd name="connsiteY11" fmla="*/ 0 h 2653881"/>
-              <a:gd name="connsiteX12" fmla="*/ 6187896 w 7591540"/>
+              <a:gd name="connsiteX12" fmla="*/ 6361241 w 8413601"/>
               <a:gd name="connsiteY12" fmla="*/ 0 h 2653881"/>
-              <a:gd name="connsiteX13" fmla="*/ 7149218 w 7591540"/>
+              <a:gd name="connsiteX13" fmla="*/ 6940391 w 8413601"/>
               <a:gd name="connsiteY13" fmla="*/ 0 h 2653881"/>
-              <a:gd name="connsiteX14" fmla="*/ 7591540 w 7591540"/>
-              <a:gd name="connsiteY14" fmla="*/ 442322 h 2653881"/>
-              <a:gd name="connsiteX15" fmla="*/ 7591540 w 7591540"/>
-              <a:gd name="connsiteY15" fmla="*/ 978991 h 2653881"/>
-              <a:gd name="connsiteX16" fmla="*/ 7591540 w 7591540"/>
-              <a:gd name="connsiteY16" fmla="*/ 1604121 h 2653881"/>
-              <a:gd name="connsiteX17" fmla="*/ 7591540 w 7591540"/>
-              <a:gd name="connsiteY17" fmla="*/ 2211559 h 2653881"/>
-              <a:gd name="connsiteX18" fmla="*/ 7149218 w 7591540"/>
-              <a:gd name="connsiteY18" fmla="*/ 2653881 h 2653881"/>
-              <a:gd name="connsiteX19" fmla="*/ 6791517 w 7591540"/>
-              <a:gd name="connsiteY19" fmla="*/ 2653881 h 2653881"/>
-              <a:gd name="connsiteX20" fmla="*/ 6232609 w 7591540"/>
+              <a:gd name="connsiteX14" fmla="*/ 7444252 w 8413601"/>
+              <a:gd name="connsiteY14" fmla="*/ 0 h 2653881"/>
+              <a:gd name="connsiteX15" fmla="*/ 7971279 w 8413601"/>
+              <a:gd name="connsiteY15" fmla="*/ 0 h 2653881"/>
+              <a:gd name="connsiteX16" fmla="*/ 8413601 w 8413601"/>
+              <a:gd name="connsiteY16" fmla="*/ 442322 h 2653881"/>
+              <a:gd name="connsiteX17" fmla="*/ 8413601 w 8413601"/>
+              <a:gd name="connsiteY17" fmla="*/ 1049760 h 2653881"/>
+              <a:gd name="connsiteX18" fmla="*/ 8413601 w 8413601"/>
+              <a:gd name="connsiteY18" fmla="*/ 1586429 h 2653881"/>
+              <a:gd name="connsiteX19" fmla="*/ 8413601 w 8413601"/>
+              <a:gd name="connsiteY19" fmla="*/ 2211559 h 2653881"/>
+              <a:gd name="connsiteX20" fmla="*/ 7971279 w 8413601"/>
               <a:gd name="connsiteY20" fmla="*/ 2653881 h 2653881"/>
-              <a:gd name="connsiteX21" fmla="*/ 5673701 w 7591540"/>
+              <a:gd name="connsiteX21" fmla="*/ 7467418 w 8413601"/>
               <a:gd name="connsiteY21" fmla="*/ 2653881 h 2653881"/>
-              <a:gd name="connsiteX22" fmla="*/ 4980655 w 7591540"/>
+              <a:gd name="connsiteX22" fmla="*/ 6737688 w 8413601"/>
               <a:gd name="connsiteY22" fmla="*/ 2653881 h 2653881"/>
-              <a:gd name="connsiteX23" fmla="*/ 4421747 w 7591540"/>
+              <a:gd name="connsiteX23" fmla="*/ 6158538 w 8413601"/>
               <a:gd name="connsiteY23" fmla="*/ 2653881 h 2653881"/>
-              <a:gd name="connsiteX24" fmla="*/ 4064046 w 7591540"/>
+              <a:gd name="connsiteX24" fmla="*/ 5805256 w 8413601"/>
               <a:gd name="connsiteY24" fmla="*/ 2653881 h 2653881"/>
-              <a:gd name="connsiteX25" fmla="*/ 3438069 w 7591540"/>
+              <a:gd name="connsiteX25" fmla="*/ 5150816 w 8413601"/>
               <a:gd name="connsiteY25" fmla="*/ 2653881 h 2653881"/>
-              <a:gd name="connsiteX26" fmla="*/ 2879161 w 7591540"/>
+              <a:gd name="connsiteX26" fmla="*/ 4571665 w 8413601"/>
               <a:gd name="connsiteY26" fmla="*/ 2653881 h 2653881"/>
-              <a:gd name="connsiteX27" fmla="*/ 2320253 w 7591540"/>
+              <a:gd name="connsiteX27" fmla="*/ 3992515 w 8413601"/>
               <a:gd name="connsiteY27" fmla="*/ 2653881 h 2653881"/>
-              <a:gd name="connsiteX28" fmla="*/ 1694276 w 7591540"/>
+              <a:gd name="connsiteX28" fmla="*/ 3338075 w 8413601"/>
               <a:gd name="connsiteY28" fmla="*/ 2653881 h 2653881"/>
-              <a:gd name="connsiteX29" fmla="*/ 1068299 w 7591540"/>
+              <a:gd name="connsiteX29" fmla="*/ 2683635 w 8413601"/>
               <a:gd name="connsiteY29" fmla="*/ 2653881 h 2653881"/>
-              <a:gd name="connsiteX30" fmla="*/ 442322 w 7591540"/>
+              <a:gd name="connsiteX30" fmla="*/ 2330353 w 8413601"/>
               <a:gd name="connsiteY30" fmla="*/ 2653881 h 2653881"/>
-              <a:gd name="connsiteX31" fmla="*/ 0 w 7591540"/>
-              <a:gd name="connsiteY31" fmla="*/ 2211559 h 2653881"/>
-              <a:gd name="connsiteX32" fmla="*/ 0 w 7591540"/>
-              <a:gd name="connsiteY32" fmla="*/ 1657198 h 2653881"/>
-              <a:gd name="connsiteX33" fmla="*/ 0 w 7591540"/>
-              <a:gd name="connsiteY33" fmla="*/ 1067452 h 2653881"/>
-              <a:gd name="connsiteX34" fmla="*/ 0 w 7591540"/>
-              <a:gd name="connsiteY34" fmla="*/ 442322 h 2653881"/>
+              <a:gd name="connsiteX31" fmla="*/ 1901781 w 8413601"/>
+              <a:gd name="connsiteY31" fmla="*/ 2653881 h 2653881"/>
+              <a:gd name="connsiteX32" fmla="*/ 1247341 w 8413601"/>
+              <a:gd name="connsiteY32" fmla="*/ 2653881 h 2653881"/>
+              <a:gd name="connsiteX33" fmla="*/ 442322 w 8413601"/>
+              <a:gd name="connsiteY33" fmla="*/ 2653881 h 2653881"/>
+              <a:gd name="connsiteX34" fmla="*/ 0 w 8413601"/>
+              <a:gd name="connsiteY34" fmla="*/ 2211559 h 2653881"/>
+              <a:gd name="connsiteX35" fmla="*/ 0 w 8413601"/>
+              <a:gd name="connsiteY35" fmla="*/ 1586429 h 2653881"/>
+              <a:gd name="connsiteX36" fmla="*/ 0 w 8413601"/>
+              <a:gd name="connsiteY36" fmla="*/ 978991 h 2653881"/>
+              <a:gd name="connsiteX37" fmla="*/ 0 w 8413601"/>
+              <a:gd name="connsiteY37" fmla="*/ 442322 h 2653881"/>
             </a:gdLst>
             <a:ahLst/>
             <a:cxnLst>
@@ -27291,10 +27314,19 @@
               <a:cxn ang="0">
                 <a:pos x="connsiteX34" y="connsiteY34"/>
               </a:cxn>
+              <a:cxn ang="0">
+                <a:pos x="connsiteX35" y="connsiteY35"/>
+              </a:cxn>
+              <a:cxn ang="0">
+                <a:pos x="connsiteX36" y="connsiteY36"/>
+              </a:cxn>
+              <a:cxn ang="0">
+                <a:pos x="connsiteX37" y="connsiteY37"/>
+              </a:cxn>
             </a:cxnLst>
             <a:rect l="l" t="t" r="r" b="b"/>
             <a:pathLst>
-              <a:path w="7591540" h="2653881" extrusionOk="0">
+              <a:path w="8413601" h="2653881" extrusionOk="0">
                 <a:moveTo>
                   <a:pt x="0" y="442322"/>
                 </a:moveTo>
@@ -27304,168 +27336,183 @@
                   <a:pt x="442322" y="0"/>
                 </a:cubicBezTo>
                 <a:cubicBezTo>
-                  <a:pt x="695964" y="-70310"/>
-                  <a:pt x="843826" y="41318"/>
-                  <a:pt x="1068299" y="0"/>
-                </a:cubicBezTo>
-                <a:cubicBezTo>
-                  <a:pt x="1292772" y="-41318"/>
-                  <a:pt x="1348553" y="30213"/>
-                  <a:pt x="1627207" y="0"/>
-                </a:cubicBezTo>
-                <a:cubicBezTo>
-                  <a:pt x="1905861" y="-30213"/>
-                  <a:pt x="2112752" y="49065"/>
-                  <a:pt x="2253184" y="0"/>
-                </a:cubicBezTo>
-                <a:cubicBezTo>
-                  <a:pt x="2393616" y="-49065"/>
-                  <a:pt x="2447080" y="27610"/>
-                  <a:pt x="2610885" y="0"/>
-                </a:cubicBezTo>
-                <a:cubicBezTo>
-                  <a:pt x="2774690" y="-27610"/>
-                  <a:pt x="2862330" y="30525"/>
-                  <a:pt x="3102724" y="0"/>
-                </a:cubicBezTo>
-                <a:cubicBezTo>
-                  <a:pt x="3343118" y="-30525"/>
-                  <a:pt x="3427420" y="27326"/>
-                  <a:pt x="3527494" y="0"/>
-                </a:cubicBezTo>
-                <a:cubicBezTo>
-                  <a:pt x="3627568" y="-27326"/>
-                  <a:pt x="3848180" y="63297"/>
-                  <a:pt x="4086402" y="0"/>
-                </a:cubicBezTo>
-                <a:cubicBezTo>
-                  <a:pt x="4324624" y="-63297"/>
-                  <a:pt x="4386322" y="18916"/>
-                  <a:pt x="4511172" y="0"/>
-                </a:cubicBezTo>
-                <a:cubicBezTo>
-                  <a:pt x="4636022" y="-18916"/>
-                  <a:pt x="4718553" y="22551"/>
-                  <a:pt x="4868873" y="0"/>
-                </a:cubicBezTo>
-                <a:cubicBezTo>
-                  <a:pt x="5019193" y="-22551"/>
-                  <a:pt x="5217857" y="55487"/>
-                  <a:pt x="5561919" y="0"/>
-                </a:cubicBezTo>
-                <a:cubicBezTo>
-                  <a:pt x="5905981" y="-55487"/>
-                  <a:pt x="5953133" y="70110"/>
-                  <a:pt x="6187896" y="0"/>
-                </a:cubicBezTo>
-                <a:cubicBezTo>
-                  <a:pt x="6422659" y="-70110"/>
-                  <a:pt x="6676522" y="87464"/>
-                  <a:pt x="7149218" y="0"/>
-                </a:cubicBezTo>
-                <a:cubicBezTo>
-                  <a:pt x="7447774" y="-16453"/>
-                  <a:pt x="7610252" y="198588"/>
-                  <a:pt x="7591540" y="442322"/>
-                </a:cubicBezTo>
-                <a:cubicBezTo>
-                  <a:pt x="7615266" y="705173"/>
-                  <a:pt x="7578803" y="854370"/>
-                  <a:pt x="7591540" y="978991"/>
-                </a:cubicBezTo>
-                <a:cubicBezTo>
-                  <a:pt x="7604277" y="1103612"/>
-                  <a:pt x="7526134" y="1458664"/>
-                  <a:pt x="7591540" y="1604121"/>
-                </a:cubicBezTo>
-                <a:cubicBezTo>
-                  <a:pt x="7656946" y="1749578"/>
-                  <a:pt x="7581933" y="1994667"/>
-                  <a:pt x="7591540" y="2211559"/>
-                </a:cubicBezTo>
-                <a:cubicBezTo>
-                  <a:pt x="7578592" y="2436360"/>
-                  <a:pt x="7357577" y="2652978"/>
-                  <a:pt x="7149218" y="2653881"/>
-                </a:cubicBezTo>
-                <a:cubicBezTo>
-                  <a:pt x="6972130" y="2655422"/>
-                  <a:pt x="6875173" y="2625909"/>
-                  <a:pt x="6791517" y="2653881"/>
-                </a:cubicBezTo>
-                <a:cubicBezTo>
-                  <a:pt x="6707861" y="2681853"/>
-                  <a:pt x="6403564" y="2588509"/>
-                  <a:pt x="6232609" y="2653881"/>
-                </a:cubicBezTo>
-                <a:cubicBezTo>
-                  <a:pt x="6061654" y="2719253"/>
-                  <a:pt x="5884061" y="2633782"/>
-                  <a:pt x="5673701" y="2653881"/>
-                </a:cubicBezTo>
-                <a:cubicBezTo>
-                  <a:pt x="5463341" y="2673980"/>
-                  <a:pt x="5153557" y="2634347"/>
-                  <a:pt x="4980655" y="2653881"/>
-                </a:cubicBezTo>
-                <a:cubicBezTo>
-                  <a:pt x="4807753" y="2673415"/>
-                  <a:pt x="4687564" y="2607745"/>
-                  <a:pt x="4421747" y="2653881"/>
-                </a:cubicBezTo>
-                <a:cubicBezTo>
-                  <a:pt x="4155930" y="2700017"/>
-                  <a:pt x="4159260" y="2631707"/>
-                  <a:pt x="4064046" y="2653881"/>
-                </a:cubicBezTo>
-                <a:cubicBezTo>
-                  <a:pt x="3968832" y="2676055"/>
-                  <a:pt x="3639568" y="2623799"/>
-                  <a:pt x="3438069" y="2653881"/>
-                </a:cubicBezTo>
-                <a:cubicBezTo>
-                  <a:pt x="3236570" y="2683963"/>
-                  <a:pt x="3097779" y="2601162"/>
-                  <a:pt x="2879161" y="2653881"/>
-                </a:cubicBezTo>
-                <a:cubicBezTo>
-                  <a:pt x="2660543" y="2706600"/>
-                  <a:pt x="2597567" y="2589394"/>
-                  <a:pt x="2320253" y="2653881"/>
-                </a:cubicBezTo>
-                <a:cubicBezTo>
-                  <a:pt x="2042939" y="2718368"/>
-                  <a:pt x="2004178" y="2586301"/>
-                  <a:pt x="1694276" y="2653881"/>
-                </a:cubicBezTo>
-                <a:cubicBezTo>
-                  <a:pt x="1384374" y="2721461"/>
-                  <a:pt x="1200150" y="2612909"/>
-                  <a:pt x="1068299" y="2653881"/>
-                </a:cubicBezTo>
-                <a:cubicBezTo>
-                  <a:pt x="936448" y="2694853"/>
-                  <a:pt x="701605" y="2637938"/>
+                  <a:pt x="717141" y="-74900"/>
+                  <a:pt x="950505" y="26328"/>
+                  <a:pt x="1096762" y="0"/>
+                </a:cubicBezTo>
+                <a:cubicBezTo>
+                  <a:pt x="1243019" y="-26328"/>
+                  <a:pt x="1506182" y="48669"/>
+                  <a:pt x="1675913" y="0"/>
+                </a:cubicBezTo>
+                <a:cubicBezTo>
+                  <a:pt x="1845644" y="-48669"/>
+                  <a:pt x="2112782" y="39483"/>
+                  <a:pt x="2330353" y="0"/>
+                </a:cubicBezTo>
+                <a:cubicBezTo>
+                  <a:pt x="2547924" y="-39483"/>
+                  <a:pt x="2555830" y="36134"/>
+                  <a:pt x="2683635" y="0"/>
+                </a:cubicBezTo>
+                <a:cubicBezTo>
+                  <a:pt x="2811440" y="-36134"/>
+                  <a:pt x="3018489" y="38770"/>
+                  <a:pt x="3187496" y="0"/>
+                </a:cubicBezTo>
+                <a:cubicBezTo>
+                  <a:pt x="3356503" y="-38770"/>
+                  <a:pt x="3502522" y="14243"/>
+                  <a:pt x="3616067" y="0"/>
+                </a:cubicBezTo>
+                <a:cubicBezTo>
+                  <a:pt x="3729612" y="-14243"/>
+                  <a:pt x="3907583" y="32207"/>
+                  <a:pt x="4195217" y="0"/>
+                </a:cubicBezTo>
+                <a:cubicBezTo>
+                  <a:pt x="4482851" y="-32207"/>
+                  <a:pt x="4486842" y="16748"/>
+                  <a:pt x="4623789" y="0"/>
+                </a:cubicBezTo>
+                <a:cubicBezTo>
+                  <a:pt x="4760736" y="-16748"/>
+                  <a:pt x="4888102" y="15496"/>
+                  <a:pt x="4977071" y="0"/>
+                </a:cubicBezTo>
+                <a:cubicBezTo>
+                  <a:pt x="5066040" y="-15496"/>
+                  <a:pt x="5556537" y="47117"/>
+                  <a:pt x="5706800" y="0"/>
+                </a:cubicBezTo>
+                <a:cubicBezTo>
+                  <a:pt x="5857063" y="-47117"/>
+                  <a:pt x="6096340" y="1608"/>
+                  <a:pt x="6361241" y="0"/>
+                </a:cubicBezTo>
+                <a:cubicBezTo>
+                  <a:pt x="6626142" y="-1608"/>
+                  <a:pt x="6680636" y="22231"/>
+                  <a:pt x="6940391" y="0"/>
+                </a:cubicBezTo>
+                <a:cubicBezTo>
+                  <a:pt x="7200146" y="-22231"/>
+                  <a:pt x="7304023" y="33578"/>
+                  <a:pt x="7444252" y="0"/>
+                </a:cubicBezTo>
+                <a:cubicBezTo>
+                  <a:pt x="7584481" y="-33578"/>
+                  <a:pt x="7825060" y="19476"/>
+                  <a:pt x="7971279" y="0"/>
+                </a:cubicBezTo>
+                <a:cubicBezTo>
+                  <a:pt x="8183112" y="-17779"/>
+                  <a:pt x="8476492" y="176776"/>
+                  <a:pt x="8413601" y="442322"/>
+                </a:cubicBezTo>
+                <a:cubicBezTo>
+                  <a:pt x="8417002" y="731548"/>
+                  <a:pt x="8403994" y="832868"/>
+                  <a:pt x="8413601" y="1049760"/>
+                </a:cubicBezTo>
+                <a:cubicBezTo>
+                  <a:pt x="8423208" y="1266652"/>
+                  <a:pt x="8379866" y="1392855"/>
+                  <a:pt x="8413601" y="1586429"/>
+                </a:cubicBezTo>
+                <a:cubicBezTo>
+                  <a:pt x="8447336" y="1780003"/>
+                  <a:pt x="8359546" y="2047546"/>
+                  <a:pt x="8413601" y="2211559"/>
+                </a:cubicBezTo>
+                <a:cubicBezTo>
+                  <a:pt x="8433134" y="2447203"/>
+                  <a:pt x="8152372" y="2616798"/>
+                  <a:pt x="7971279" y="2653881"/>
+                </a:cubicBezTo>
+                <a:cubicBezTo>
+                  <a:pt x="7853017" y="2656442"/>
+                  <a:pt x="7617904" y="2651654"/>
+                  <a:pt x="7467418" y="2653881"/>
+                </a:cubicBezTo>
+                <a:cubicBezTo>
+                  <a:pt x="7316932" y="2656108"/>
+                  <a:pt x="6924605" y="2640699"/>
+                  <a:pt x="6737688" y="2653881"/>
+                </a:cubicBezTo>
+                <a:cubicBezTo>
+                  <a:pt x="6550771" y="2667063"/>
+                  <a:pt x="6441156" y="2645674"/>
+                  <a:pt x="6158538" y="2653881"/>
+                </a:cubicBezTo>
+                <a:cubicBezTo>
+                  <a:pt x="5875920" y="2662088"/>
+                  <a:pt x="5893612" y="2624246"/>
+                  <a:pt x="5805256" y="2653881"/>
+                </a:cubicBezTo>
+                <a:cubicBezTo>
+                  <a:pt x="5716900" y="2683516"/>
+                  <a:pt x="5305604" y="2606415"/>
+                  <a:pt x="5150816" y="2653881"/>
+                </a:cubicBezTo>
+                <a:cubicBezTo>
+                  <a:pt x="4996028" y="2701347"/>
+                  <a:pt x="4752370" y="2640984"/>
+                  <a:pt x="4571665" y="2653881"/>
+                </a:cubicBezTo>
+                <a:cubicBezTo>
+                  <a:pt x="4390960" y="2666778"/>
+                  <a:pt x="4276351" y="2652280"/>
+                  <a:pt x="3992515" y="2653881"/>
+                </a:cubicBezTo>
+                <a:cubicBezTo>
+                  <a:pt x="3708679" y="2655482"/>
+                  <a:pt x="3632460" y="2599743"/>
+                  <a:pt x="3338075" y="2653881"/>
+                </a:cubicBezTo>
+                <a:cubicBezTo>
+                  <a:pt x="3043690" y="2708019"/>
+                  <a:pt x="2868613" y="2603034"/>
+                  <a:pt x="2683635" y="2653881"/>
+                </a:cubicBezTo>
+                <a:cubicBezTo>
+                  <a:pt x="2498657" y="2704728"/>
+                  <a:pt x="2493805" y="2623272"/>
+                  <a:pt x="2330353" y="2653881"/>
+                </a:cubicBezTo>
+                <a:cubicBezTo>
+                  <a:pt x="2166901" y="2684490"/>
+                  <a:pt x="2038121" y="2620908"/>
+                  <a:pt x="1901781" y="2653881"/>
+                </a:cubicBezTo>
+                <a:cubicBezTo>
+                  <a:pt x="1765441" y="2686854"/>
+                  <a:pt x="1501296" y="2642367"/>
+                  <a:pt x="1247341" y="2653881"/>
+                </a:cubicBezTo>
+                <a:cubicBezTo>
+                  <a:pt x="993386" y="2665395"/>
+                  <a:pt x="623877" y="2614063"/>
                   <a:pt x="442322" y="2653881"/>
                 </a:cubicBezTo>
                 <a:cubicBezTo>
-                  <a:pt x="241415" y="2620658"/>
-                  <a:pt x="-7976" y="2476924"/>
+                  <a:pt x="204006" y="2645047"/>
+                  <a:pt x="-42780" y="2512181"/>
                   <a:pt x="0" y="2211559"/>
                 </a:cubicBezTo>
                 <a:cubicBezTo>
-                  <a:pt x="-35376" y="1985537"/>
-                  <a:pt x="2848" y="1768869"/>
-                  <a:pt x="0" y="1657198"/>
-                </a:cubicBezTo>
-                <a:cubicBezTo>
-                  <a:pt x="-2848" y="1545527"/>
-                  <a:pt x="43423" y="1185589"/>
-                  <a:pt x="0" y="1067452"/>
-                </a:cubicBezTo>
-                <a:cubicBezTo>
-                  <a:pt x="-43423" y="949315"/>
-                  <a:pt x="52490" y="704446"/>
+                  <a:pt x="-55394" y="1962291"/>
+                  <a:pt x="13576" y="1812607"/>
+                  <a:pt x="0" y="1586429"/>
+                </a:cubicBezTo>
+                <a:cubicBezTo>
+                  <a:pt x="-13576" y="1360251"/>
+                  <a:pt x="47438" y="1114257"/>
+                  <a:pt x="0" y="978991"/>
+                </a:cubicBezTo>
+                <a:cubicBezTo>
+                  <a:pt x="-47438" y="843725"/>
+                  <a:pt x="16286" y="584870"/>
                   <a:pt x="0" y="442322"/>
                 </a:cubicBezTo>
                 <a:close/>
